--- a/程設報告.pptx
+++ b/程設報告.pptx
@@ -3733,6 +3733,41 @@
           </a:fontRef>
         </p:style>
       </p:cxnSp>
+      <p:sp>
+        <p:nvSpPr>
+          <p:cNvPr id="6" name="文字方塊 5">
+            <a:extLst>
+              <a:ext uri="{FF2B5EF4-FFF2-40B4-BE49-F238E27FC236}">
+                <a16:creationId xmlns:a16="http://schemas.microsoft.com/office/drawing/2014/main" id="{36F35FE0-FF06-46D6-BCE3-3391A7D66FF1}"/>
+              </a:ext>
+            </a:extLst>
+          </p:cNvPr>
+          <p:cNvSpPr txBox="1"/>
+          <p:nvPr/>
+        </p:nvSpPr>
+        <p:spPr>
+          <a:xfrm>
+            <a:off x="292100" y="2255451"/>
+            <a:ext cx="6756400" cy="523220"/>
+          </a:xfrm>
+          <a:prstGeom prst="rect">
+            <a:avLst/>
+          </a:prstGeom>
+          <a:noFill/>
+        </p:spPr>
+        <p:txBody>
+          <a:bodyPr wrap="square">
+            <a:spAutoFit/>
+          </a:bodyPr>
+          <a:lstStyle/>
+          <a:p>
+            <a:r>
+              <a:rPr lang="zh-TW" altLang="en-US" sz="2800" dirty="0"/>
+              <a:t>https://github.com/jacksonloa/409410065</a:t>
+            </a:r>
+          </a:p>
+        </p:txBody>
+      </p:sp>
     </p:spTree>
     <p:extLst>
       <p:ext uri="{BB962C8B-B14F-4D97-AF65-F5344CB8AC3E}">

--- a/程設報告.pptx
+++ b/程設報告.pptx
@@ -6096,7 +6096,15 @@
             </a:r>
             <a:r>
               <a:rPr lang="en-US" altLang="zh-TW" dirty="0"/>
-              <a:t>2727</a:t>
+              <a:t>6308</a:t>
+            </a:r>
+            <a:r>
+              <a:rPr lang="zh-TW" altLang="en-US" dirty="0"/>
+              <a:t> </a:t>
+            </a:r>
+            <a:r>
+              <a:rPr lang="en-US" altLang="zh-TW" dirty="0"/>
+              <a:t>sec</a:t>
             </a:r>
             <a:endParaRPr lang="zh-TW" altLang="en-US" dirty="0"/>
           </a:p>
@@ -6134,6 +6142,11 @@
               <a:rPr lang="zh-TW" altLang="en-US" dirty="0"/>
               <a:t>字串排序時間：</a:t>
             </a:r>
+            <a:r>
+              <a:rPr lang="en-US" altLang="zh-TW" dirty="0"/>
+              <a:t>16368 sec</a:t>
+            </a:r>
+            <a:endParaRPr lang="zh-TW" altLang="en-US" dirty="0"/>
           </a:p>
         </p:txBody>
       </p:sp>
@@ -6213,6 +6226,11 @@
               <a:rPr lang="zh-TW" altLang="en-US" dirty="0"/>
               <a:t>數字排序時間：</a:t>
             </a:r>
+            <a:r>
+              <a:rPr lang="en-US" altLang="zh-TW" dirty="0"/>
+              <a:t>1211 sec</a:t>
+            </a:r>
+            <a:endParaRPr lang="zh-TW" altLang="en-US" dirty="0"/>
           </a:p>
         </p:txBody>
       </p:sp>
@@ -6248,6 +6266,11 @@
               <a:rPr lang="zh-TW" altLang="en-US" dirty="0"/>
               <a:t>字串排序時間：</a:t>
             </a:r>
+            <a:r>
+              <a:rPr lang="en-US" altLang="zh-TW" dirty="0"/>
+              <a:t>4253 sec</a:t>
+            </a:r>
+            <a:endParaRPr lang="zh-TW" altLang="en-US" dirty="0"/>
           </a:p>
         </p:txBody>
       </p:sp>
@@ -6329,7 +6352,15 @@
             </a:r>
             <a:r>
               <a:rPr lang="en-US" altLang="zh-TW" dirty="0"/>
-              <a:t>632</a:t>
+              <a:t>702</a:t>
+            </a:r>
+            <a:r>
+              <a:rPr lang="zh-TW" altLang="en-US" dirty="0"/>
+              <a:t> </a:t>
+            </a:r>
+            <a:r>
+              <a:rPr lang="en-US" altLang="zh-TW" dirty="0"/>
+              <a:t>sec</a:t>
             </a:r>
             <a:endParaRPr lang="zh-TW" altLang="en-US" dirty="0"/>
           </a:p>
@@ -6369,7 +6400,7 @@
             </a:r>
             <a:r>
               <a:rPr lang="en-US" altLang="zh-TW" dirty="0"/>
-              <a:t>2597.52</a:t>
+              <a:t>3048 sec</a:t>
             </a:r>
             <a:endParaRPr lang="zh-TW" altLang="en-US" dirty="0"/>
           </a:p>

--- a/程設報告.pptx
+++ b/程設報告.pptx
@@ -269,7 +269,7 @@
           <a:p>
             <a:fld id="{FD7495ED-56C3-4A58-9B29-2585B0C16FC8}" type="datetimeFigureOut">
               <a:rPr lang="zh-TW" altLang="en-US" smtClean="0"/>
-              <a:t>2021/5/9</a:t>
+              <a:t>2021/5/11</a:t>
             </a:fld>
             <a:endParaRPr lang="zh-TW" altLang="en-US"/>
           </a:p>
@@ -467,7 +467,7 @@
           <a:p>
             <a:fld id="{FD7495ED-56C3-4A58-9B29-2585B0C16FC8}" type="datetimeFigureOut">
               <a:rPr lang="zh-TW" altLang="en-US" smtClean="0"/>
-              <a:t>2021/5/9</a:t>
+              <a:t>2021/5/11</a:t>
             </a:fld>
             <a:endParaRPr lang="zh-TW" altLang="en-US"/>
           </a:p>
@@ -675,7 +675,7 @@
           <a:p>
             <a:fld id="{FD7495ED-56C3-4A58-9B29-2585B0C16FC8}" type="datetimeFigureOut">
               <a:rPr lang="zh-TW" altLang="en-US" smtClean="0"/>
-              <a:t>2021/5/9</a:t>
+              <a:t>2021/5/11</a:t>
             </a:fld>
             <a:endParaRPr lang="zh-TW" altLang="en-US"/>
           </a:p>
@@ -1075,7 +1075,7 @@
           <a:p>
             <a:fld id="{FD7495ED-56C3-4A58-9B29-2585B0C16FC8}" type="datetimeFigureOut">
               <a:rPr lang="zh-TW" altLang="en-US" smtClean="0"/>
-              <a:t>2021/5/9</a:t>
+              <a:t>2021/5/11</a:t>
             </a:fld>
             <a:endParaRPr lang="zh-TW" altLang="en-US"/>
           </a:p>
@@ -1340,7 +1340,7 @@
           <a:p>
             <a:fld id="{FD7495ED-56C3-4A58-9B29-2585B0C16FC8}" type="datetimeFigureOut">
               <a:rPr lang="zh-TW" altLang="en-US" smtClean="0"/>
-              <a:t>2021/5/9</a:t>
+              <a:t>2021/5/11</a:t>
             </a:fld>
             <a:endParaRPr lang="zh-TW" altLang="en-US"/>
           </a:p>
@@ -1752,7 +1752,7 @@
           <a:p>
             <a:fld id="{FD7495ED-56C3-4A58-9B29-2585B0C16FC8}" type="datetimeFigureOut">
               <a:rPr lang="zh-TW" altLang="en-US" smtClean="0"/>
-              <a:t>2021/5/9</a:t>
+              <a:t>2021/5/11</a:t>
             </a:fld>
             <a:endParaRPr lang="zh-TW" altLang="en-US"/>
           </a:p>
@@ -1893,7 +1893,7 @@
           <a:p>
             <a:fld id="{FD7495ED-56C3-4A58-9B29-2585B0C16FC8}" type="datetimeFigureOut">
               <a:rPr lang="zh-TW" altLang="en-US" smtClean="0"/>
-              <a:t>2021/5/9</a:t>
+              <a:t>2021/5/11</a:t>
             </a:fld>
             <a:endParaRPr lang="zh-TW" altLang="en-US"/>
           </a:p>
@@ -2006,7 +2006,7 @@
           <a:p>
             <a:fld id="{FD7495ED-56C3-4A58-9B29-2585B0C16FC8}" type="datetimeFigureOut">
               <a:rPr lang="zh-TW" altLang="en-US" smtClean="0"/>
-              <a:t>2021/5/9</a:t>
+              <a:t>2021/5/11</a:t>
             </a:fld>
             <a:endParaRPr lang="zh-TW" altLang="en-US"/>
           </a:p>
@@ -2317,7 +2317,7 @@
           <a:p>
             <a:fld id="{FD7495ED-56C3-4A58-9B29-2585B0C16FC8}" type="datetimeFigureOut">
               <a:rPr lang="zh-TW" altLang="en-US" smtClean="0"/>
-              <a:t>2021/5/9</a:t>
+              <a:t>2021/5/11</a:t>
             </a:fld>
             <a:endParaRPr lang="zh-TW" altLang="en-US"/>
           </a:p>
@@ -2605,7 +2605,7 @@
           <a:p>
             <a:fld id="{FD7495ED-56C3-4A58-9B29-2585B0C16FC8}" type="datetimeFigureOut">
               <a:rPr lang="zh-TW" altLang="en-US" smtClean="0"/>
-              <a:t>2021/5/9</a:t>
+              <a:t>2021/5/11</a:t>
             </a:fld>
             <a:endParaRPr lang="zh-TW" altLang="en-US"/>
           </a:p>
@@ -2846,7 +2846,7 @@
           <a:p>
             <a:fld id="{FD7495ED-56C3-4A58-9B29-2585B0C16FC8}" type="datetimeFigureOut">
               <a:rPr lang="zh-TW" altLang="en-US" smtClean="0"/>
-              <a:t>2021/5/9</a:t>
+              <a:t>2021/5/11</a:t>
             </a:fld>
             <a:endParaRPr lang="zh-TW" altLang="en-US"/>
           </a:p>
@@ -4501,36 +4501,6 @@
           </a:p>
         </p:txBody>
       </p:sp>
-      <p:pic>
-        <p:nvPicPr>
-          <p:cNvPr id="3" name="圖片 2">
-            <a:extLst>
-              <a:ext uri="{FF2B5EF4-FFF2-40B4-BE49-F238E27FC236}">
-                <a16:creationId xmlns:a16="http://schemas.microsoft.com/office/drawing/2014/main" id="{4DB069BE-16BB-4123-9266-C3DDD261989D}"/>
-              </a:ext>
-            </a:extLst>
-          </p:cNvPr>
-          <p:cNvPicPr>
-            <a:picLocks noChangeAspect="1"/>
-          </p:cNvPicPr>
-          <p:nvPr/>
-        </p:nvPicPr>
-        <p:blipFill>
-          <a:blip r:embed="rId3"/>
-          <a:stretch>
-            <a:fillRect/>
-          </a:stretch>
-        </p:blipFill>
-        <p:spPr>
-          <a:xfrm>
-            <a:off x="1574800" y="4557931"/>
-            <a:ext cx="3338831" cy="3632784"/>
-          </a:xfrm>
-          <a:prstGeom prst="rect">
-            <a:avLst/>
-          </a:prstGeom>
-        </p:spPr>
-      </p:pic>
       <p:sp>
         <p:nvSpPr>
           <p:cNvPr id="9" name="等腰三角形 8">
@@ -4699,6 +4669,36 @@
           </a:fontRef>
         </p:style>
       </p:cxnSp>
+      <p:pic>
+        <p:nvPicPr>
+          <p:cNvPr id="10" name="圖片 9">
+            <a:extLst>
+              <a:ext uri="{FF2B5EF4-FFF2-40B4-BE49-F238E27FC236}">
+                <a16:creationId xmlns:a16="http://schemas.microsoft.com/office/drawing/2014/main" id="{6F4A493C-8AF3-4E5A-951A-C0F58B7E5688}"/>
+              </a:ext>
+            </a:extLst>
+          </p:cNvPr>
+          <p:cNvPicPr>
+            <a:picLocks noChangeAspect="1"/>
+          </p:cNvPicPr>
+          <p:nvPr/>
+        </p:nvPicPr>
+        <p:blipFill>
+          <a:blip r:embed="rId3"/>
+          <a:stretch>
+            <a:fillRect/>
+          </a:stretch>
+        </p:blipFill>
+        <p:spPr>
+          <a:xfrm>
+            <a:off x="1598946" y="4735672"/>
+            <a:ext cx="2974310" cy="3194120"/>
+          </a:xfrm>
+          <a:prstGeom prst="rect">
+            <a:avLst/>
+          </a:prstGeom>
+        </p:spPr>
+      </p:pic>
     </p:spTree>
     <p:extLst>
       <p:ext uri="{BB962C8B-B14F-4D97-AF65-F5344CB8AC3E}">
